--- a/OOP/Midterm/Week 4/Lecture/Polymorphism.pptx
+++ b/OOP/Midterm/Week 4/Lecture/Polymorphism.pptx
@@ -5,13 +5,15 @@
     <p:sldMasterId id="2147483648" r:id="rId1"/>
   </p:sldMasterIdLst>
   <p:notesMasterIdLst>
-    <p:notesMasterId r:id="rId6"/>
+    <p:notesMasterId r:id="rId8"/>
   </p:notesMasterIdLst>
   <p:sldIdLst>
     <p:sldId id="256" r:id="rId2"/>
     <p:sldId id="257" r:id="rId3"/>
     <p:sldId id="258" r:id="rId4"/>
     <p:sldId id="259" r:id="rId5"/>
+    <p:sldId id="260" r:id="rId6"/>
+    <p:sldId id="261" r:id="rId7"/>
   </p:sldIdLst>
   <p:sldSz cx="12192000" cy="6858000"/>
   <p:notesSz cx="6858000" cy="9144000"/>
@@ -373,7 +375,7 @@
           <a:p>
             <a:fld id="{09872B84-9FE1-434E-A2D2-E973C393975E}" type="datetimeFigureOut">
               <a:rPr lang="en-PH" smtClean="0"/>
-              <a:t>9/7/2025</a:t>
+              <a:t>9/23/2025</a:t>
             </a:fld>
             <a:endParaRPr lang="en-PH"/>
           </a:p>
@@ -641,6 +643,90 @@
 </p:notesMaster>
 </file>
 
+<file path=ppt/notesSlides/notesSlide1.xml><?xml version="1.0" encoding="utf-8"?>
+<p:notes xmlns:a="http://schemas.openxmlformats.org/drawingml/2006/main" xmlns:r="http://schemas.openxmlformats.org/officeDocument/2006/relationships" xmlns:p="http://schemas.openxmlformats.org/presentationml/2006/main">
+  <p:cSld>
+    <p:spTree>
+      <p:nvGrpSpPr>
+        <p:cNvPr id="1" name=""/>
+        <p:cNvGrpSpPr/>
+        <p:nvPr/>
+      </p:nvGrpSpPr>
+      <p:grpSpPr>
+        <a:xfrm>
+          <a:off x="0" y="0"/>
+          <a:ext cx="0" cy="0"/>
+          <a:chOff x="0" y="0"/>
+          <a:chExt cx="0" cy="0"/>
+        </a:xfrm>
+      </p:grpSpPr>
+      <p:sp>
+        <p:nvSpPr>
+          <p:cNvPr id="2" name="Slide Image Placeholder 1"/>
+          <p:cNvSpPr>
+            <a:spLocks noGrp="1" noRot="1" noChangeAspect="1"/>
+          </p:cNvSpPr>
+          <p:nvPr>
+            <p:ph type="sldImg"/>
+          </p:nvPr>
+        </p:nvSpPr>
+        <p:spPr/>
+      </p:sp>
+      <p:sp>
+        <p:nvSpPr>
+          <p:cNvPr id="3" name="Notes Placeholder 2"/>
+          <p:cNvSpPr>
+            <a:spLocks noGrp="1"/>
+          </p:cNvSpPr>
+          <p:nvPr>
+            <p:ph type="body" idx="1"/>
+          </p:nvPr>
+        </p:nvSpPr>
+        <p:spPr/>
+        <p:txBody>
+          <a:bodyPr/>
+          <a:lstStyle/>
+          <a:p>
+            <a:endParaRPr lang="en-US" dirty="0"/>
+          </a:p>
+        </p:txBody>
+      </p:sp>
+      <p:sp>
+        <p:nvSpPr>
+          <p:cNvPr id="4" name="Slide Number Placeholder 3"/>
+          <p:cNvSpPr>
+            <a:spLocks noGrp="1"/>
+          </p:cNvSpPr>
+          <p:nvPr>
+            <p:ph type="sldNum" sz="quarter" idx="5"/>
+          </p:nvPr>
+        </p:nvSpPr>
+        <p:spPr/>
+        <p:txBody>
+          <a:bodyPr/>
+          <a:lstStyle/>
+          <a:p>
+            <a:fld id="{7FCE01B0-A621-4567-A841-5AE0E59BAFC7}" type="slidenum">
+              <a:rPr lang="en-PH" smtClean="0"/>
+              <a:t>5</a:t>
+            </a:fld>
+            <a:endParaRPr lang="en-PH"/>
+          </a:p>
+        </p:txBody>
+      </p:sp>
+    </p:spTree>
+    <p:extLst>
+      <p:ext uri="{BB962C8B-B14F-4D97-AF65-F5344CB8AC3E}">
+        <p14:creationId xmlns:p14="http://schemas.microsoft.com/office/powerpoint/2010/main" val="2027157610"/>
+      </p:ext>
+    </p:extLst>
+  </p:cSld>
+  <p:clrMapOvr>
+    <a:masterClrMapping/>
+  </p:clrMapOvr>
+</p:notes>
+</file>
+
 <file path=ppt/slideLayouts/slideLayout1.xml><?xml version="1.0" encoding="utf-8"?>
 <p:sldLayout xmlns:a="http://schemas.openxmlformats.org/drawingml/2006/main" xmlns:r="http://schemas.openxmlformats.org/officeDocument/2006/relationships" xmlns:p="http://schemas.openxmlformats.org/presentationml/2006/main" type="title" preserve="1">
   <p:cSld name="Title Slide">
@@ -790,7 +876,7 @@
           <a:p>
             <a:fld id="{97777D41-A4CA-47AC-B7F9-CEF2233B7831}" type="datetimeFigureOut">
               <a:rPr lang="en-PH" smtClean="0"/>
-              <a:t>9/7/2025</a:t>
+              <a:t>9/23/2025</a:t>
             </a:fld>
             <a:endParaRPr lang="en-PH"/>
           </a:p>
@@ -990,7 +1076,7 @@
           <a:p>
             <a:fld id="{97777D41-A4CA-47AC-B7F9-CEF2233B7831}" type="datetimeFigureOut">
               <a:rPr lang="en-PH" smtClean="0"/>
-              <a:t>9/7/2025</a:t>
+              <a:t>9/23/2025</a:t>
             </a:fld>
             <a:endParaRPr lang="en-PH"/>
           </a:p>
@@ -1200,7 +1286,7 @@
           <a:p>
             <a:fld id="{97777D41-A4CA-47AC-B7F9-CEF2233B7831}" type="datetimeFigureOut">
               <a:rPr lang="en-PH" smtClean="0"/>
-              <a:t>9/7/2025</a:t>
+              <a:t>9/23/2025</a:t>
             </a:fld>
             <a:endParaRPr lang="en-PH"/>
           </a:p>
@@ -1400,7 +1486,7 @@
           <a:p>
             <a:fld id="{97777D41-A4CA-47AC-B7F9-CEF2233B7831}" type="datetimeFigureOut">
               <a:rPr lang="en-PH" smtClean="0"/>
-              <a:t>9/7/2025</a:t>
+              <a:t>9/23/2025</a:t>
             </a:fld>
             <a:endParaRPr lang="en-PH"/>
           </a:p>
@@ -1676,7 +1762,7 @@
           <a:p>
             <a:fld id="{97777D41-A4CA-47AC-B7F9-CEF2233B7831}" type="datetimeFigureOut">
               <a:rPr lang="en-PH" smtClean="0"/>
-              <a:t>9/7/2025</a:t>
+              <a:t>9/23/2025</a:t>
             </a:fld>
             <a:endParaRPr lang="en-PH"/>
           </a:p>
@@ -1944,7 +2030,7 @@
           <a:p>
             <a:fld id="{97777D41-A4CA-47AC-B7F9-CEF2233B7831}" type="datetimeFigureOut">
               <a:rPr lang="en-PH" smtClean="0"/>
-              <a:t>9/7/2025</a:t>
+              <a:t>9/23/2025</a:t>
             </a:fld>
             <a:endParaRPr lang="en-PH"/>
           </a:p>
@@ -2359,7 +2445,7 @@
           <a:p>
             <a:fld id="{97777D41-A4CA-47AC-B7F9-CEF2233B7831}" type="datetimeFigureOut">
               <a:rPr lang="en-PH" smtClean="0"/>
-              <a:t>9/7/2025</a:t>
+              <a:t>9/23/2025</a:t>
             </a:fld>
             <a:endParaRPr lang="en-PH"/>
           </a:p>
@@ -2501,7 +2587,7 @@
           <a:p>
             <a:fld id="{97777D41-A4CA-47AC-B7F9-CEF2233B7831}" type="datetimeFigureOut">
               <a:rPr lang="en-PH" smtClean="0"/>
-              <a:t>9/7/2025</a:t>
+              <a:t>9/23/2025</a:t>
             </a:fld>
             <a:endParaRPr lang="en-PH"/>
           </a:p>
@@ -2614,7 +2700,7 @@
           <a:p>
             <a:fld id="{97777D41-A4CA-47AC-B7F9-CEF2233B7831}" type="datetimeFigureOut">
               <a:rPr lang="en-PH" smtClean="0"/>
-              <a:t>9/7/2025</a:t>
+              <a:t>9/23/2025</a:t>
             </a:fld>
             <a:endParaRPr lang="en-PH"/>
           </a:p>
@@ -2927,7 +3013,7 @@
           <a:p>
             <a:fld id="{97777D41-A4CA-47AC-B7F9-CEF2233B7831}" type="datetimeFigureOut">
               <a:rPr lang="en-PH" smtClean="0"/>
-              <a:t>9/7/2025</a:t>
+              <a:t>9/23/2025</a:t>
             </a:fld>
             <a:endParaRPr lang="en-PH"/>
           </a:p>
@@ -3216,7 +3302,7 @@
           <a:p>
             <a:fld id="{97777D41-A4CA-47AC-B7F9-CEF2233B7831}" type="datetimeFigureOut">
               <a:rPr lang="en-PH" smtClean="0"/>
-              <a:t>9/7/2025</a:t>
+              <a:t>9/23/2025</a:t>
             </a:fld>
             <a:endParaRPr lang="en-PH"/>
           </a:p>
@@ -3459,7 +3545,7 @@
           <a:p>
             <a:fld id="{97777D41-A4CA-47AC-B7F9-CEF2233B7831}" type="datetimeFigureOut">
               <a:rPr lang="en-PH" smtClean="0"/>
-              <a:t>9/7/2025</a:t>
+              <a:t>9/23/2025</a:t>
             </a:fld>
             <a:endParaRPr lang="en-PH"/>
           </a:p>
@@ -4530,7 +4616,7 @@
         <p:spPr>
           <a:xfrm>
             <a:off x="1658437" y="1997839"/>
-            <a:ext cx="8480174" cy="3416320"/>
+            <a:ext cx="8480174" cy="3970318"/>
           </a:xfrm>
           <a:prstGeom prst="rect">
             <a:avLst/>
@@ -4581,7 +4667,19 @@
               <a:rPr lang="en-GB" dirty="0">
                 <a:latin typeface="Century Gothic" panose="020B0502020202020204" pitchFamily="34" charset="0"/>
               </a:rPr>
-              <a:t>Different classes can implement the same method name differently.</a:t>
+              <a:t>Different classes can implement the same method name </a:t>
+            </a:r>
+            <a:r>
+              <a:rPr lang="en-GB">
+                <a:latin typeface="Century Gothic" panose="020B0502020202020204" pitchFamily="34" charset="0"/>
+              </a:rPr>
+              <a:t>but different </a:t>
+            </a:r>
+            <a:r>
+              <a:rPr lang="en-GB" dirty="0">
+                <a:latin typeface="Century Gothic" panose="020B0502020202020204" pitchFamily="34" charset="0"/>
+              </a:rPr>
+              <a:t>function.</a:t>
             </a:r>
           </a:p>
           <a:p>
@@ -4608,11 +4706,11 @@
               <a:buChar char="•"/>
             </a:pPr>
             <a:r>
-              <a:rPr lang="en-US" b="1"/>
+              <a:rPr lang="en-US" b="1" dirty="0"/>
               <a:t>Polymorphism</a:t>
             </a:r>
             <a:r>
-              <a:rPr lang="en-US"/>
+              <a:rPr lang="en-US" dirty="0"/>
               <a:t> = "Many Forms"</a:t>
             </a:r>
             <a:endParaRPr lang="en-GB" dirty="0">
@@ -4874,6 +4972,531 @@
     <p:extLst>
       <p:ext uri="{BB962C8B-B14F-4D97-AF65-F5344CB8AC3E}">
         <p14:creationId xmlns:p14="http://schemas.microsoft.com/office/powerpoint/2010/main" val="1803742162"/>
+      </p:ext>
+    </p:extLst>
+  </p:cSld>
+  <p:clrMapOvr>
+    <a:masterClrMapping/>
+  </p:clrMapOvr>
+</p:sld>
+</file>
+
+<file path=ppt/slides/slide5.xml><?xml version="1.0" encoding="utf-8"?>
+<p:sld xmlns:a="http://schemas.openxmlformats.org/drawingml/2006/main" xmlns:r="http://schemas.openxmlformats.org/officeDocument/2006/relationships" xmlns:p="http://schemas.openxmlformats.org/presentationml/2006/main">
+  <p:cSld>
+    <p:spTree>
+      <p:nvGrpSpPr>
+        <p:cNvPr id="1" name="">
+          <a:extLst>
+            <a:ext uri="{FF2B5EF4-FFF2-40B4-BE49-F238E27FC236}">
+              <a16:creationId xmlns:a16="http://schemas.microsoft.com/office/drawing/2014/main" id="{3DD7587D-610A-70B6-3040-6B8DE2291F90}"/>
+            </a:ext>
+          </a:extLst>
+        </p:cNvPr>
+        <p:cNvGrpSpPr/>
+        <p:nvPr/>
+      </p:nvGrpSpPr>
+      <p:grpSpPr>
+        <a:xfrm>
+          <a:off x="0" y="0"/>
+          <a:ext cx="0" cy="0"/>
+          <a:chOff x="0" y="0"/>
+          <a:chExt cx="0" cy="0"/>
+        </a:xfrm>
+      </p:grpSpPr>
+      <p:sp>
+        <p:nvSpPr>
+          <p:cNvPr id="6" name="Rectangle 5">
+            <a:extLst>
+              <a:ext uri="{FF2B5EF4-FFF2-40B4-BE49-F238E27FC236}">
+                <a16:creationId xmlns:a16="http://schemas.microsoft.com/office/drawing/2014/main" id="{48EE3CC0-B89A-39EB-F5F5-40CD587DAC63}"/>
+              </a:ext>
+            </a:extLst>
+          </p:cNvPr>
+          <p:cNvSpPr/>
+          <p:nvPr/>
+        </p:nvSpPr>
+        <p:spPr>
+          <a:xfrm>
+            <a:off x="-32657" y="429985"/>
+            <a:ext cx="12224657" cy="854529"/>
+          </a:xfrm>
+          <a:prstGeom prst="rect">
+            <a:avLst/>
+          </a:prstGeom>
+          <a:solidFill>
+            <a:srgbClr val="000269"/>
+          </a:solidFill>
+          <a:ln>
+            <a:noFill/>
+          </a:ln>
+        </p:spPr>
+        <p:style>
+          <a:lnRef idx="2">
+            <a:schemeClr val="accent1">
+              <a:shade val="15000"/>
+            </a:schemeClr>
+          </a:lnRef>
+          <a:fillRef idx="1">
+            <a:schemeClr val="accent1"/>
+          </a:fillRef>
+          <a:effectRef idx="0">
+            <a:schemeClr val="accent1"/>
+          </a:effectRef>
+          <a:fontRef idx="minor">
+            <a:schemeClr val="lt1"/>
+          </a:fontRef>
+        </p:style>
+        <p:txBody>
+          <a:bodyPr rtlCol="0" anchor="ctr"/>
+          <a:lstStyle/>
+          <a:p>
+            <a:pPr algn="ctr"/>
+            <a:endParaRPr lang="en-PH"/>
+          </a:p>
+        </p:txBody>
+      </p:sp>
+      <p:pic>
+        <p:nvPicPr>
+          <p:cNvPr id="5" name="Picture 4">
+            <a:extLst>
+              <a:ext uri="{FF2B5EF4-FFF2-40B4-BE49-F238E27FC236}">
+                <a16:creationId xmlns:a16="http://schemas.microsoft.com/office/drawing/2014/main" id="{31F2DD4A-1EB4-8365-BFF0-F717A28DA9F7}"/>
+              </a:ext>
+            </a:extLst>
+          </p:cNvPr>
+          <p:cNvPicPr>
+            <a:picLocks noChangeAspect="1"/>
+          </p:cNvPicPr>
+          <p:nvPr/>
+        </p:nvPicPr>
+        <p:blipFill>
+          <a:blip r:embed="rId3">
+            <a:extLst>
+              <a:ext uri="{28A0092B-C50C-407E-A947-70E740481C1C}">
+                <a14:useLocalDpi xmlns:a14="http://schemas.microsoft.com/office/drawing/2010/main" val="0"/>
+              </a:ext>
+            </a:extLst>
+          </a:blip>
+          <a:stretch>
+            <a:fillRect/>
+          </a:stretch>
+        </p:blipFill>
+        <p:spPr>
+          <a:xfrm>
+            <a:off x="358858" y="274492"/>
+            <a:ext cx="1165511" cy="1165511"/>
+          </a:xfrm>
+          <a:prstGeom prst="rect">
+            <a:avLst/>
+          </a:prstGeom>
+        </p:spPr>
+      </p:pic>
+      <p:sp>
+        <p:nvSpPr>
+          <p:cNvPr id="7" name="TextBox 6">
+            <a:extLst>
+              <a:ext uri="{FF2B5EF4-FFF2-40B4-BE49-F238E27FC236}">
+                <a16:creationId xmlns:a16="http://schemas.microsoft.com/office/drawing/2014/main" id="{A70E041A-91AF-98F5-51A9-E5D4DED30165}"/>
+              </a:ext>
+            </a:extLst>
+          </p:cNvPr>
+          <p:cNvSpPr txBox="1"/>
+          <p:nvPr/>
+        </p:nvSpPr>
+        <p:spPr>
+          <a:xfrm>
+            <a:off x="2477730" y="534081"/>
+            <a:ext cx="8851686" cy="646331"/>
+          </a:xfrm>
+          <a:prstGeom prst="rect">
+            <a:avLst/>
+          </a:prstGeom>
+          <a:noFill/>
+        </p:spPr>
+        <p:txBody>
+          <a:bodyPr wrap="square" rtlCol="0">
+            <a:spAutoFit/>
+          </a:bodyPr>
+          <a:lstStyle/>
+          <a:p>
+            <a:r>
+              <a:rPr lang="en-US" sz="3600" b="1" dirty="0">
+                <a:solidFill>
+                  <a:schemeClr val="bg1"/>
+                </a:solidFill>
+                <a:latin typeface="Arial Black" panose="020B0A04020102020204" pitchFamily="34" charset="0"/>
+                <a:cs typeface="Arial" panose="020B0604020202020204" pitchFamily="34" charset="0"/>
+              </a:rPr>
+              <a:t>Late Static Binding (static::)</a:t>
+            </a:r>
+            <a:endParaRPr lang="en-PH" sz="3600" b="1" dirty="0">
+              <a:solidFill>
+                <a:schemeClr val="bg1"/>
+              </a:solidFill>
+              <a:latin typeface="Arial Black" panose="020B0A04020102020204" pitchFamily="34" charset="0"/>
+              <a:cs typeface="Arial" panose="020B0604020202020204" pitchFamily="34" charset="0"/>
+            </a:endParaRPr>
+          </a:p>
+        </p:txBody>
+      </p:sp>
+      <p:sp>
+        <p:nvSpPr>
+          <p:cNvPr id="10" name="TextBox 9">
+            <a:extLst>
+              <a:ext uri="{FF2B5EF4-FFF2-40B4-BE49-F238E27FC236}">
+                <a16:creationId xmlns:a16="http://schemas.microsoft.com/office/drawing/2014/main" id="{F93CA762-2BCB-B026-A4E9-672A577FF624}"/>
+              </a:ext>
+            </a:extLst>
+          </p:cNvPr>
+          <p:cNvSpPr txBox="1"/>
+          <p:nvPr/>
+        </p:nvSpPr>
+        <p:spPr>
+          <a:xfrm>
+            <a:off x="1744599" y="2015895"/>
+            <a:ext cx="8702802" cy="3108543"/>
+          </a:xfrm>
+          <a:prstGeom prst="rect">
+            <a:avLst/>
+          </a:prstGeom>
+          <a:noFill/>
+        </p:spPr>
+        <p:txBody>
+          <a:bodyPr wrap="square">
+            <a:spAutoFit/>
+          </a:bodyPr>
+          <a:lstStyle/>
+          <a:p>
+            <a:r>
+              <a:rPr lang="en-US" sz="1400" dirty="0"/>
+              <a:t> </a:t>
+            </a:r>
+            <a:r>
+              <a:rPr lang="en-US" sz="1400" b="1" dirty="0"/>
+              <a:t>Meaning:</a:t>
+            </a:r>
+            <a:br>
+              <a:rPr lang="en-US" sz="1400" dirty="0"/>
+            </a:br>
+            <a:r>
+              <a:rPr lang="en-US" sz="1400" dirty="0"/>
+              <a:t>Late Static Binding means that when a static method or property is called in a parent class, PHP decides </a:t>
+            </a:r>
+            <a:r>
+              <a:rPr lang="en-US" sz="1400" b="1" dirty="0"/>
+              <a:t>at runtime</a:t>
+            </a:r>
+            <a:r>
+              <a:rPr lang="en-US" sz="1400" dirty="0"/>
+              <a:t> (not when the code is written) which class’s version should be used  the </a:t>
+            </a:r>
+            <a:r>
+              <a:rPr lang="en-US" sz="1400" b="1" dirty="0"/>
+              <a:t>parent’s</a:t>
+            </a:r>
+            <a:r>
+              <a:rPr lang="en-US" sz="1400" dirty="0"/>
+              <a:t> or the </a:t>
+            </a:r>
+            <a:r>
+              <a:rPr lang="en-US" sz="1400" b="1" dirty="0"/>
+              <a:t>child’s</a:t>
+            </a:r>
+            <a:r>
+              <a:rPr lang="en-US" sz="1400" dirty="0"/>
+              <a:t>.</a:t>
+            </a:r>
+          </a:p>
+          <a:p>
+            <a:br>
+              <a:rPr lang="en-US" sz="1400" dirty="0"/>
+            </a:br>
+            <a:endParaRPr lang="en-US" sz="1400" dirty="0"/>
+          </a:p>
+          <a:p>
+            <a:r>
+              <a:rPr lang="en-US" sz="1400" dirty="0"/>
+              <a:t> </a:t>
+            </a:r>
+            <a:r>
+              <a:rPr lang="en-US" sz="1400" b="1" dirty="0"/>
+              <a:t>Why it’s called </a:t>
+            </a:r>
+            <a:r>
+              <a:rPr lang="en-US" sz="1400" b="1" i="1" dirty="0"/>
+              <a:t>late</a:t>
+            </a:r>
+            <a:r>
+              <a:rPr lang="en-US" sz="1400" b="1" dirty="0"/>
+              <a:t>?</a:t>
+            </a:r>
+            <a:br>
+              <a:rPr lang="en-US" sz="1400" dirty="0"/>
+            </a:br>
+            <a:r>
+              <a:rPr lang="en-US" sz="1400" dirty="0"/>
+              <a:t>Because the decision about which method to call is made </a:t>
+            </a:r>
+            <a:r>
+              <a:rPr lang="en-US" sz="1400" b="1" dirty="0"/>
+              <a:t>later</a:t>
+            </a:r>
+            <a:r>
+              <a:rPr lang="en-US" sz="1400" dirty="0"/>
+              <a:t> (when the program runs), instead of </a:t>
+            </a:r>
+            <a:r>
+              <a:rPr lang="en-US" sz="1400" b="1" dirty="0"/>
+              <a:t>early</a:t>
+            </a:r>
+            <a:r>
+              <a:rPr lang="en-US" sz="1400" dirty="0"/>
+              <a:t> (when the code is defined).</a:t>
+            </a:r>
+          </a:p>
+          <a:p>
+            <a:br>
+              <a:rPr lang="en-US" sz="1400" dirty="0"/>
+            </a:br>
+            <a:endParaRPr lang="en-US" sz="1400" dirty="0"/>
+          </a:p>
+          <a:p>
+            <a:r>
+              <a:rPr lang="en-US" sz="1400" dirty="0"/>
+              <a:t> </a:t>
+            </a:r>
+            <a:r>
+              <a:rPr lang="en-US" sz="1400" b="1" dirty="0"/>
+              <a:t>In Simple Words:</a:t>
+            </a:r>
+            <a:br>
+              <a:rPr lang="en-US" sz="1400" dirty="0"/>
+            </a:br>
+            <a:r>
+              <a:rPr lang="en-US" sz="1400" dirty="0"/>
+              <a:t>It lets a parent class use a method, but if a child overrides it, the child’s version will run </a:t>
+            </a:r>
+            <a:r>
+              <a:rPr lang="en-US" sz="1400" b="1" dirty="0"/>
+              <a:t>even if the call is inside the parent</a:t>
+            </a:r>
+            <a:r>
+              <a:rPr lang="en-US" sz="1400" dirty="0"/>
+              <a:t>.</a:t>
+            </a:r>
+          </a:p>
+          <a:p>
+            <a:endParaRPr lang="en-US" sz="1400" dirty="0"/>
+          </a:p>
+        </p:txBody>
+      </p:sp>
+    </p:spTree>
+    <p:extLst>
+      <p:ext uri="{BB962C8B-B14F-4D97-AF65-F5344CB8AC3E}">
+        <p14:creationId xmlns:p14="http://schemas.microsoft.com/office/powerpoint/2010/main" val="3413312995"/>
+      </p:ext>
+    </p:extLst>
+  </p:cSld>
+  <p:clrMapOvr>
+    <a:masterClrMapping/>
+  </p:clrMapOvr>
+</p:sld>
+</file>
+
+<file path=ppt/slides/slide6.xml><?xml version="1.0" encoding="utf-8"?>
+<p:sld xmlns:a="http://schemas.openxmlformats.org/drawingml/2006/main" xmlns:r="http://schemas.openxmlformats.org/officeDocument/2006/relationships" xmlns:p="http://schemas.openxmlformats.org/presentationml/2006/main">
+  <p:cSld>
+    <p:spTree>
+      <p:nvGrpSpPr>
+        <p:cNvPr id="1" name="">
+          <a:extLst>
+            <a:ext uri="{FF2B5EF4-FFF2-40B4-BE49-F238E27FC236}">
+              <a16:creationId xmlns:a16="http://schemas.microsoft.com/office/drawing/2014/main" id="{5F05791D-3324-DEEF-C11E-8C22C2FFA390}"/>
+            </a:ext>
+          </a:extLst>
+        </p:cNvPr>
+        <p:cNvGrpSpPr/>
+        <p:nvPr/>
+      </p:nvGrpSpPr>
+      <p:grpSpPr>
+        <a:xfrm>
+          <a:off x="0" y="0"/>
+          <a:ext cx="0" cy="0"/>
+          <a:chOff x="0" y="0"/>
+          <a:chExt cx="0" cy="0"/>
+        </a:xfrm>
+      </p:grpSpPr>
+      <p:sp>
+        <p:nvSpPr>
+          <p:cNvPr id="6" name="Rectangle 5">
+            <a:extLst>
+              <a:ext uri="{FF2B5EF4-FFF2-40B4-BE49-F238E27FC236}">
+                <a16:creationId xmlns:a16="http://schemas.microsoft.com/office/drawing/2014/main" id="{EF734B3F-41CD-CE86-15A1-F11ED227379D}"/>
+              </a:ext>
+            </a:extLst>
+          </p:cNvPr>
+          <p:cNvSpPr/>
+          <p:nvPr/>
+        </p:nvSpPr>
+        <p:spPr>
+          <a:xfrm>
+            <a:off x="-32657" y="429985"/>
+            <a:ext cx="12224657" cy="854529"/>
+          </a:xfrm>
+          <a:prstGeom prst="rect">
+            <a:avLst/>
+          </a:prstGeom>
+          <a:solidFill>
+            <a:srgbClr val="000269"/>
+          </a:solidFill>
+          <a:ln>
+            <a:noFill/>
+          </a:ln>
+        </p:spPr>
+        <p:style>
+          <a:lnRef idx="2">
+            <a:schemeClr val="accent1">
+              <a:shade val="15000"/>
+            </a:schemeClr>
+          </a:lnRef>
+          <a:fillRef idx="1">
+            <a:schemeClr val="accent1"/>
+          </a:fillRef>
+          <a:effectRef idx="0">
+            <a:schemeClr val="accent1"/>
+          </a:effectRef>
+          <a:fontRef idx="minor">
+            <a:schemeClr val="lt1"/>
+          </a:fontRef>
+        </p:style>
+        <p:txBody>
+          <a:bodyPr rtlCol="0" anchor="ctr"/>
+          <a:lstStyle/>
+          <a:p>
+            <a:pPr algn="ctr"/>
+            <a:endParaRPr lang="en-PH"/>
+          </a:p>
+        </p:txBody>
+      </p:sp>
+      <p:pic>
+        <p:nvPicPr>
+          <p:cNvPr id="5" name="Picture 4">
+            <a:extLst>
+              <a:ext uri="{FF2B5EF4-FFF2-40B4-BE49-F238E27FC236}">
+                <a16:creationId xmlns:a16="http://schemas.microsoft.com/office/drawing/2014/main" id="{95B0E284-CC52-6361-15B4-6B23A9B6F92E}"/>
+              </a:ext>
+            </a:extLst>
+          </p:cNvPr>
+          <p:cNvPicPr>
+            <a:picLocks noChangeAspect="1"/>
+          </p:cNvPicPr>
+          <p:nvPr/>
+        </p:nvPicPr>
+        <p:blipFill>
+          <a:blip r:embed="rId2">
+            <a:extLst>
+              <a:ext uri="{28A0092B-C50C-407E-A947-70E740481C1C}">
+                <a14:useLocalDpi xmlns:a14="http://schemas.microsoft.com/office/drawing/2010/main" val="0"/>
+              </a:ext>
+            </a:extLst>
+          </a:blip>
+          <a:stretch>
+            <a:fillRect/>
+          </a:stretch>
+        </p:blipFill>
+        <p:spPr>
+          <a:xfrm>
+            <a:off x="358858" y="274492"/>
+            <a:ext cx="1165511" cy="1165511"/>
+          </a:xfrm>
+          <a:prstGeom prst="rect">
+            <a:avLst/>
+          </a:prstGeom>
+        </p:spPr>
+      </p:pic>
+      <p:sp>
+        <p:nvSpPr>
+          <p:cNvPr id="7" name="TextBox 6">
+            <a:extLst>
+              <a:ext uri="{FF2B5EF4-FFF2-40B4-BE49-F238E27FC236}">
+                <a16:creationId xmlns:a16="http://schemas.microsoft.com/office/drawing/2014/main" id="{C06425BD-A4A2-677E-89F3-63AF7BE0D451}"/>
+              </a:ext>
+            </a:extLst>
+          </p:cNvPr>
+          <p:cNvSpPr txBox="1"/>
+          <p:nvPr/>
+        </p:nvSpPr>
+        <p:spPr>
+          <a:xfrm>
+            <a:off x="2477730" y="534081"/>
+            <a:ext cx="8851686" cy="646331"/>
+          </a:xfrm>
+          <a:prstGeom prst="rect">
+            <a:avLst/>
+          </a:prstGeom>
+          <a:noFill/>
+        </p:spPr>
+        <p:txBody>
+          <a:bodyPr wrap="square" rtlCol="0">
+            <a:spAutoFit/>
+          </a:bodyPr>
+          <a:lstStyle/>
+          <a:p>
+            <a:r>
+              <a:rPr lang="en-US" sz="3600" b="1" dirty="0">
+                <a:solidFill>
+                  <a:schemeClr val="bg1"/>
+                </a:solidFill>
+                <a:latin typeface="Arial Black" panose="020B0A04020102020204" pitchFamily="34" charset="0"/>
+                <a:cs typeface="Arial" panose="020B0604020202020204" pitchFamily="34" charset="0"/>
+              </a:rPr>
+              <a:t>Example</a:t>
+            </a:r>
+            <a:endParaRPr lang="en-PH" sz="3600" b="1" dirty="0">
+              <a:solidFill>
+                <a:schemeClr val="bg1"/>
+              </a:solidFill>
+              <a:latin typeface="Arial Black" panose="020B0A04020102020204" pitchFamily="34" charset="0"/>
+              <a:cs typeface="Arial" panose="020B0604020202020204" pitchFamily="34" charset="0"/>
+            </a:endParaRPr>
+          </a:p>
+        </p:txBody>
+      </p:sp>
+      <p:pic>
+        <p:nvPicPr>
+          <p:cNvPr id="3" name="Picture 2">
+            <a:extLst>
+              <a:ext uri="{FF2B5EF4-FFF2-40B4-BE49-F238E27FC236}">
+                <a16:creationId xmlns:a16="http://schemas.microsoft.com/office/drawing/2014/main" id="{B3C869C4-6B45-AAB3-8795-9ABD4B848F01}"/>
+              </a:ext>
+            </a:extLst>
+          </p:cNvPr>
+          <p:cNvPicPr>
+            <a:picLocks noChangeAspect="1"/>
+          </p:cNvPicPr>
+          <p:nvPr/>
+        </p:nvPicPr>
+        <p:blipFill>
+          <a:blip r:embed="rId3"/>
+          <a:stretch>
+            <a:fillRect/>
+          </a:stretch>
+        </p:blipFill>
+        <p:spPr>
+          <a:xfrm>
+            <a:off x="2359639" y="1745834"/>
+            <a:ext cx="7440063" cy="4134427"/>
+          </a:xfrm>
+          <a:prstGeom prst="rect">
+            <a:avLst/>
+          </a:prstGeom>
+        </p:spPr>
+      </p:pic>
+    </p:spTree>
+    <p:extLst>
+      <p:ext uri="{BB962C8B-B14F-4D97-AF65-F5344CB8AC3E}">
+        <p14:creationId xmlns:p14="http://schemas.microsoft.com/office/powerpoint/2010/main" val="1257156691"/>
       </p:ext>
     </p:extLst>
   </p:cSld>
